--- a/Entregables/5 Arquitectura MicroServicios/4 preguntas.pptx
+++ b/Entregables/5 Arquitectura MicroServicios/4 preguntas.pptx
@@ -685,7 +685,7 @@
           <a:p>
             <a:fld id="{97BFF81C-1FCB-4DBA-8044-F1A0FCFD45A6}" type="datetime1">
               <a:rPr lang="en-US" smtClean="0"/>
-              <a:t>2/6/2021</a:t>
+              <a:t>2/7/2021</a:t>
             </a:fld>
             <a:endParaRPr lang="en-US" dirty="0"/>
           </a:p>
@@ -1364,7 +1364,7 @@
           <a:p>
             <a:fld id="{FB9092B3-2D87-4CDF-B84B-C46E5F5D31F7}" type="datetime1">
               <a:rPr lang="en-US" smtClean="0"/>
-              <a:t>2/6/2021</a:t>
+              <a:t>2/7/2021</a:t>
             </a:fld>
             <a:endParaRPr lang="en-US" dirty="0"/>
           </a:p>
@@ -2053,7 +2053,7 @@
           <a:p>
             <a:fld id="{3D769E57-47B1-47B0-B526-3153E4B1E729}" type="datetime1">
               <a:rPr lang="en-US" smtClean="0"/>
-              <a:t>2/6/2021</a:t>
+              <a:t>2/7/2021</a:t>
             </a:fld>
             <a:endParaRPr lang="en-US" dirty="0"/>
           </a:p>
@@ -2732,7 +2732,7 @@
           <a:p>
             <a:fld id="{5A87773D-8987-489A-A650-3D6F7D5C7C38}" type="datetime1">
               <a:rPr lang="en-US" smtClean="0"/>
-              <a:t>2/6/2021</a:t>
+              <a:t>2/7/2021</a:t>
             </a:fld>
             <a:endParaRPr lang="en-US" dirty="0"/>
           </a:p>
@@ -3487,7 +3487,7 @@
           <a:p>
             <a:fld id="{97E150C1-1D78-4D80-810D-E9E86F6E88AB}" type="datetime1">
               <a:rPr lang="en-US" smtClean="0"/>
-              <a:t>2/6/2021</a:t>
+              <a:t>2/7/2021</a:t>
             </a:fld>
             <a:endParaRPr lang="en-US" dirty="0"/>
           </a:p>
@@ -4234,7 +4234,7 @@
           <a:p>
             <a:fld id="{29E9CBD8-1588-4B6B-B74D-87480DDE94C0}" type="datetime1">
               <a:rPr lang="en-US" smtClean="0"/>
-              <a:t>2/6/2021</a:t>
+              <a:t>2/7/2021</a:t>
             </a:fld>
             <a:endParaRPr lang="en-US" dirty="0"/>
           </a:p>
@@ -5128,7 +5128,7 @@
           <a:p>
             <a:fld id="{AD794440-721C-4D75-BD4F-4CFB3D51CDCA}" type="datetime1">
               <a:rPr lang="en-US" smtClean="0"/>
-              <a:t>2/6/2021</a:t>
+              <a:t>2/7/2021</a:t>
             </a:fld>
             <a:endParaRPr lang="en-US" dirty="0"/>
           </a:p>
@@ -5749,7 +5749,7 @@
           <a:p>
             <a:fld id="{B2701A64-483B-4532-94FB-D8F90CB6DEE0}" type="datetime1">
               <a:rPr lang="en-US" smtClean="0"/>
-              <a:t>2/6/2021</a:t>
+              <a:t>2/7/2021</a:t>
             </a:fld>
             <a:endParaRPr lang="en-US" dirty="0"/>
           </a:p>
@@ -6341,7 +6341,7 @@
           <a:p>
             <a:fld id="{6F18FB39-20FB-4E2E-B861-45B709B9C3C5}" type="datetime1">
               <a:rPr lang="en-US" smtClean="0"/>
-              <a:t>2/6/2021</a:t>
+              <a:t>2/7/2021</a:t>
             </a:fld>
             <a:endParaRPr lang="en-US" dirty="0"/>
           </a:p>
@@ -7133,7 +7133,7 @@
           <a:p>
             <a:fld id="{AC48AC19-8BD6-476C-9770-8884373BCF00}" type="datetime1">
               <a:rPr lang="en-US" smtClean="0"/>
-              <a:t>2/6/2021</a:t>
+              <a:t>2/7/2021</a:t>
             </a:fld>
             <a:endParaRPr lang="en-US"/>
           </a:p>
@@ -7905,7 +7905,7 @@
           <a:p>
             <a:fld id="{F3F68C53-8AD1-4F09-9486-FB3406B99CFA}" type="datetime1">
               <a:rPr lang="en-US" smtClean="0"/>
-              <a:t>2/6/2021</a:t>
+              <a:t>2/7/2021</a:t>
             </a:fld>
             <a:endParaRPr lang="en-US" dirty="0"/>
           </a:p>
@@ -8216,7 +8216,7 @@
             <a:fld id="{BA543EDD-D0D2-447F-B24F-3717AF4B109D}" type="datetime1">
               <a:rPr lang="en-US" smtClean="0"/>
               <a:pPr/>
-              <a:t>2/6/2021</a:t>
+              <a:t>2/7/2021</a:t>
             </a:fld>
             <a:endParaRPr lang="en-US" dirty="0"/>
           </a:p>
@@ -8658,7 +8658,7 @@
                 <a16:creationId xmlns:a16="http://schemas.microsoft.com/office/drawing/2014/main" id="{489B7BFD-8F45-4093-AD9C-91B15B0503D9}"/>
               </a:ext>
               <a:ext uri="{C183D7F6-B498-43B3-948B-1728B52AA6E4}">
-                <adec:decorative xmlns:adec="http://schemas.microsoft.com/office/drawing/2017/decorative" xmlns="" val="1"/>
+                <adec:decorative xmlns="" xmlns:adec="http://schemas.microsoft.com/office/drawing/2017/decorative" val="1"/>
               </a:ext>
             </a:extLst>
           </p:cNvPr>
@@ -8718,7 +8718,7 @@
                 <a16:creationId xmlns:a16="http://schemas.microsoft.com/office/drawing/2014/main" id="{042BC7E5-76DB-4826-8C07-4A49B6353F76}"/>
               </a:ext>
               <a:ext uri="{C183D7F6-B498-43B3-948B-1728B52AA6E4}">
-                <adec:decorative xmlns:adec="http://schemas.microsoft.com/office/drawing/2017/decorative" xmlns="" val="1"/>
+                <adec:decorative xmlns="" xmlns:adec="http://schemas.microsoft.com/office/drawing/2017/decorative" val="1"/>
               </a:ext>
             </a:extLst>
           </p:cNvPr>
@@ -8752,7 +8752,7 @@
                   <a16:creationId xmlns:a16="http://schemas.microsoft.com/office/drawing/2014/main" id="{E16C8D8F-10E9-4498-ABDB-0F923F8B6837}"/>
                 </a:ext>
                 <a:ext uri="{C183D7F6-B498-43B3-948B-1728B52AA6E4}">
-                  <adec:decorative xmlns:adec="http://schemas.microsoft.com/office/drawing/2017/decorative" xmlns="" val="1"/>
+                  <adec:decorative xmlns="" xmlns:adec="http://schemas.microsoft.com/office/drawing/2017/decorative" val="1"/>
                 </a:ext>
               </a:extLst>
             </p:cNvPr>
@@ -8953,7 +8953,7 @@
                   <a16:creationId xmlns:a16="http://schemas.microsoft.com/office/drawing/2014/main" id="{1E5A83E3-8A11-4492-BB6E-F5F2240316FB}"/>
                 </a:ext>
                 <a:ext uri="{C183D7F6-B498-43B3-948B-1728B52AA6E4}">
-                  <adec:decorative xmlns:adec="http://schemas.microsoft.com/office/drawing/2017/decorative" xmlns="" val="1"/>
+                  <adec:decorative xmlns="" xmlns:adec="http://schemas.microsoft.com/office/drawing/2017/decorative" val="1"/>
                 </a:ext>
               </a:extLst>
             </p:cNvPr>
@@ -9155,7 +9155,7 @@
                 <a16:creationId xmlns:a16="http://schemas.microsoft.com/office/drawing/2014/main" id="{498F8FF6-43B4-494A-AF8F-123A4983EDF7}"/>
               </a:ext>
               <a:ext uri="{C183D7F6-B498-43B3-948B-1728B52AA6E4}">
-                <adec:decorative xmlns:adec="http://schemas.microsoft.com/office/drawing/2017/decorative" xmlns="" val="1"/>
+                <adec:decorative xmlns="" xmlns:adec="http://schemas.microsoft.com/office/drawing/2017/decorative" val="1"/>
               </a:ext>
             </a:extLst>
           </p:cNvPr>
@@ -9293,7 +9293,7 @@
                 <a16:creationId xmlns:a16="http://schemas.microsoft.com/office/drawing/2014/main" id="{2B06059C-C357-4011-82B9-9C0106301384}"/>
               </a:ext>
               <a:ext uri="{C183D7F6-B498-43B3-948B-1728B52AA6E4}">
-                <adec:decorative xmlns:adec="http://schemas.microsoft.com/office/drawing/2017/decorative" xmlns="" val="1"/>
+                <adec:decorative xmlns="" xmlns:adec="http://schemas.microsoft.com/office/drawing/2017/decorative" val="1"/>
               </a:ext>
             </a:extLst>
           </p:cNvPr>
@@ -9435,7 +9435,7 @@
                 <a16:creationId xmlns:a16="http://schemas.microsoft.com/office/drawing/2014/main" id="{5AFEC601-A132-47EE-B0C2-B38ACD9FCE6F}"/>
               </a:ext>
               <a:ext uri="{C183D7F6-B498-43B3-948B-1728B52AA6E4}">
-                <adec:decorative xmlns:adec="http://schemas.microsoft.com/office/drawing/2017/decorative" xmlns="" val="1"/>
+                <adec:decorative xmlns="" xmlns:adec="http://schemas.microsoft.com/office/drawing/2017/decorative" val="1"/>
               </a:ext>
             </a:extLst>
           </p:cNvPr>
@@ -9699,7 +9699,7 @@
                 <a16:creationId xmlns:a16="http://schemas.microsoft.com/office/drawing/2014/main" id="{279CAF82-0ECF-42BE-8F37-F71941E5D410}"/>
               </a:ext>
               <a:ext uri="{C183D7F6-B498-43B3-948B-1728B52AA6E4}">
-                <adec:decorative xmlns:adec="http://schemas.microsoft.com/office/drawing/2017/decorative" xmlns="" val="1"/>
+                <adec:decorative xmlns="" xmlns:adec="http://schemas.microsoft.com/office/drawing/2017/decorative" val="1"/>
               </a:ext>
             </a:extLst>
           </p:cNvPr>
@@ -9881,7 +9881,7 @@
                 <a16:creationId xmlns:a16="http://schemas.microsoft.com/office/drawing/2014/main" id="{218E095B-4870-4AD5-9C41-C16D59523501}"/>
               </a:ext>
               <a:ext uri="{C183D7F6-B498-43B3-948B-1728B52AA6E4}">
-                <adec:decorative xmlns:adec="http://schemas.microsoft.com/office/drawing/2017/decorative" xmlns="" val="1"/>
+                <adec:decorative xmlns="" xmlns:adec="http://schemas.microsoft.com/office/drawing/2017/decorative" val="1"/>
               </a:ext>
             </a:extLst>
           </p:cNvPr>
@@ -10065,7 +10065,7 @@
                 <a16:creationId xmlns:a16="http://schemas.microsoft.com/office/drawing/2014/main" id="{FB9739EB-7F66-433D-841F-AB3CD18700B7}"/>
               </a:ext>
               <a:ext uri="{C183D7F6-B498-43B3-948B-1728B52AA6E4}">
-                <adec:decorative xmlns:adec="http://schemas.microsoft.com/office/drawing/2017/decorative" xmlns="" val="1"/>
+                <adec:decorative xmlns="" xmlns:adec="http://schemas.microsoft.com/office/drawing/2017/decorative" val="1"/>
               </a:ext>
             </a:extLst>
           </p:cNvPr>
@@ -10099,7 +10099,7 @@
                   <a16:creationId xmlns:a16="http://schemas.microsoft.com/office/drawing/2014/main" id="{104F2BBD-A005-4DCB-9566-F2351050BEE6}"/>
                 </a:ext>
                 <a:ext uri="{C183D7F6-B498-43B3-948B-1728B52AA6E4}">
-                  <adec:decorative xmlns:adec="http://schemas.microsoft.com/office/drawing/2017/decorative" xmlns="" val="1"/>
+                  <adec:decorative xmlns="" xmlns:adec="http://schemas.microsoft.com/office/drawing/2017/decorative" val="1"/>
                 </a:ext>
               </a:extLst>
             </p:cNvPr>
@@ -10186,7 +10186,7 @@
                   <a16:creationId xmlns:a16="http://schemas.microsoft.com/office/drawing/2014/main" id="{8B00DEC7-198B-49D1-98FD-018F3ECFCF4C}"/>
                 </a:ext>
                 <a:ext uri="{C183D7F6-B498-43B3-948B-1728B52AA6E4}">
-                  <adec:decorative xmlns:adec="http://schemas.microsoft.com/office/drawing/2017/decorative" xmlns="" val="1"/>
+                  <adec:decorative xmlns="" xmlns:adec="http://schemas.microsoft.com/office/drawing/2017/decorative" val="1"/>
                 </a:ext>
               </a:extLst>
             </p:cNvPr>
@@ -10273,7 +10273,7 @@
                   <a16:creationId xmlns:a16="http://schemas.microsoft.com/office/drawing/2014/main" id="{F14DFC82-B3B3-468E-91B3-1302CFC68468}"/>
                 </a:ext>
                 <a:ext uri="{C183D7F6-B498-43B3-948B-1728B52AA6E4}">
-                  <adec:decorative xmlns:adec="http://schemas.microsoft.com/office/drawing/2017/decorative" xmlns="" val="1"/>
+                  <adec:decorative xmlns="" xmlns:adec="http://schemas.microsoft.com/office/drawing/2017/decorative" val="1"/>
                 </a:ext>
               </a:extLst>
             </p:cNvPr>
@@ -10360,7 +10360,7 @@
                   <a16:creationId xmlns:a16="http://schemas.microsoft.com/office/drawing/2014/main" id="{D3250EFE-214E-4B8E-AF96-036A514FFB2D}"/>
                 </a:ext>
                 <a:ext uri="{C183D7F6-B498-43B3-948B-1728B52AA6E4}">
-                  <adec:decorative xmlns:adec="http://schemas.microsoft.com/office/drawing/2017/decorative" xmlns="" val="1"/>
+                  <adec:decorative xmlns="" xmlns:adec="http://schemas.microsoft.com/office/drawing/2017/decorative" val="1"/>
                 </a:ext>
               </a:extLst>
             </p:cNvPr>
@@ -10447,7 +10447,7 @@
                   <a16:creationId xmlns:a16="http://schemas.microsoft.com/office/drawing/2014/main" id="{AD058EBE-D4A5-4C43-B170-6A451F87A7B2}"/>
                 </a:ext>
                 <a:ext uri="{C183D7F6-B498-43B3-948B-1728B52AA6E4}">
-                  <adec:decorative xmlns:adec="http://schemas.microsoft.com/office/drawing/2017/decorative" xmlns="" val="1"/>
+                  <adec:decorative xmlns="" xmlns:adec="http://schemas.microsoft.com/office/drawing/2017/decorative" val="1"/>
                 </a:ext>
               </a:extLst>
             </p:cNvPr>
@@ -10535,7 +10535,7 @@
                 <a16:creationId xmlns:a16="http://schemas.microsoft.com/office/drawing/2014/main" id="{033BC44A-0661-43B4-9C14-FD5963C226AE}"/>
               </a:ext>
               <a:ext uri="{C183D7F6-B498-43B3-948B-1728B52AA6E4}">
-                <adec:decorative xmlns:adec="http://schemas.microsoft.com/office/drawing/2017/decorative" xmlns="" val="1"/>
+                <adec:decorative xmlns="" xmlns:adec="http://schemas.microsoft.com/office/drawing/2017/decorative" val="1"/>
               </a:ext>
             </a:extLst>
           </p:cNvPr>
@@ -10603,7 +10603,7 @@
                 <a16:creationId xmlns:a16="http://schemas.microsoft.com/office/drawing/2014/main" id="{BE8CB2F0-2F5A-4EBD-B214-E0309C31F578}"/>
               </a:ext>
               <a:ext uri="{C183D7F6-B498-43B3-948B-1728B52AA6E4}">
-                <adec:decorative xmlns:adec="http://schemas.microsoft.com/office/drawing/2017/decorative" xmlns="" val="1"/>
+                <adec:decorative xmlns="" xmlns:adec="http://schemas.microsoft.com/office/drawing/2017/decorative" val="1"/>
               </a:ext>
             </a:extLst>
           </p:cNvPr>
@@ -10675,7 +10675,7 @@
                 <a16:creationId xmlns:a16="http://schemas.microsoft.com/office/drawing/2014/main" id="{FFD3887D-244B-4EC4-9208-E304984C5D0F}"/>
               </a:ext>
               <a:ext uri="{C183D7F6-B498-43B3-948B-1728B52AA6E4}">
-                <adec:decorative xmlns:adec="http://schemas.microsoft.com/office/drawing/2017/decorative" xmlns="" val="1"/>
+                <adec:decorative xmlns="" xmlns:adec="http://schemas.microsoft.com/office/drawing/2017/decorative" val="1"/>
               </a:ext>
             </a:extLst>
           </p:cNvPr>
@@ -10824,7 +10824,7 @@
                 <a16:creationId xmlns:a16="http://schemas.microsoft.com/office/drawing/2014/main" id="{97224C31-855E-4593-8A58-5B2B0CC4F537}"/>
               </a:ext>
               <a:ext uri="{C183D7F6-B498-43B3-948B-1728B52AA6E4}">
-                <adec:decorative xmlns:adec="http://schemas.microsoft.com/office/drawing/2017/decorative" xmlns="" val="1"/>
+                <adec:decorative xmlns="" xmlns:adec="http://schemas.microsoft.com/office/drawing/2017/decorative" val="1"/>
               </a:ext>
             </a:extLst>
           </p:cNvPr>
@@ -11828,7 +11828,12 @@
             <p:ph idx="1"/>
           </p:nvPr>
         </p:nvSpPr>
-        <p:spPr/>
+        <p:spPr>
+          <a:xfrm>
+            <a:off x="838200" y="2066925"/>
+            <a:ext cx="10515600" cy="4351338"/>
+          </a:xfrm>
+        </p:spPr>
         <p:txBody>
           <a:bodyPr>
             <a:normAutofit/>
@@ -11905,22 +11910,57 @@
             </a:r>
             <a:r>
               <a:rPr lang="es-MX" sz="2000" dirty="0" smtClean="0"/>
-              <a:t>minutos.</a:t>
-            </a:r>
-          </a:p>
-          <a:p>
+              <a:t>minutos</a:t>
+            </a:r>
             <a:r>
               <a:rPr lang="es-MX" sz="2000" dirty="0" smtClean="0"/>
-              <a:t>Además que la </a:t>
-            </a:r>
-            <a:r>
-              <a:rPr lang="es-CO" sz="2000" dirty="0" smtClean="0"/>
-              <a:t>arquitectura en Microservicios cada servicio es independiente y en el momento de despliegue puede decidir que servicios se instanciaran mas que otros teniendo un mejor rendimiento y lo cual es útil para netflix ya que esta evolucionando constantemente.</a:t>
-            </a:r>
-            <a:endParaRPr lang="es-CO" sz="2000" dirty="0"/>
+              <a:t>.</a:t>
+            </a:r>
+            <a:endParaRPr lang="es-MX" sz="2000" dirty="0" smtClean="0"/>
           </a:p>
         </p:txBody>
       </p:sp>
+      <p:pic>
+        <p:nvPicPr>
+          <p:cNvPr id="1026" name="Picture 2" descr="Resultado de imagen para netflix a la nube"/>
+          <p:cNvPicPr>
+            <a:picLocks noChangeAspect="1" noChangeArrowheads="1"/>
+          </p:cNvPicPr>
+          <p:nvPr/>
+        </p:nvPicPr>
+        <p:blipFill>
+          <a:blip r:embed="rId2">
+            <a:extLst>
+              <a:ext uri="{28A0092B-C50C-407E-A947-70E740481C1C}">
+                <a14:useLocalDpi xmlns:a14="http://schemas.microsoft.com/office/drawing/2010/main" val="0"/>
+              </a:ext>
+            </a:extLst>
+          </a:blip>
+          <a:srcRect/>
+          <a:stretch>
+            <a:fillRect/>
+          </a:stretch>
+        </p:blipFill>
+        <p:spPr bwMode="auto">
+          <a:xfrm>
+            <a:off x="4667250" y="4483894"/>
+            <a:ext cx="2857500" cy="1419226"/>
+          </a:xfrm>
+          <a:prstGeom prst="rect">
+            <a:avLst/>
+          </a:prstGeom>
+          <a:noFill/>
+          <a:extLst>
+            <a:ext uri="{909E8E84-426E-40DD-AFC4-6F175D3DCCD1}">
+              <a14:hiddenFill xmlns:a14="http://schemas.microsoft.com/office/drawing/2010/main">
+                <a:solidFill>
+                  <a:srgbClr val="FFFFFF"/>
+                </a:solidFill>
+              </a14:hiddenFill>
+            </a:ext>
+          </a:extLst>
+        </p:spPr>
+      </p:pic>
     </p:spTree>
     <p:extLst>
       <p:ext uri="{BB962C8B-B14F-4D97-AF65-F5344CB8AC3E}">
